--- a/Project1-ExploreVis/Boyang_Dai/speed_dating.pptx
+++ b/Project1-ExploreVis/Boyang_Dai/speed_dating.pptx
@@ -524,6 +524,102 @@
           <a:p>
             <a:r>
               <a:rPr kumimoji="1" lang="en-US" altLang="zh-TW" dirty="0" smtClean="0"/>
+              <a:t>Have</a:t>
+            </a:r>
+            <a:r>
+              <a:rPr kumimoji="1" lang="en-US" altLang="zh-TW" baseline="0" dirty="0" smtClean="0"/>
+              <a:t> you guys ever have the moment wondering one question? Why some of my friends are </a:t>
+            </a:r>
+            <a:r>
+              <a:rPr kumimoji="1" lang="en-US" altLang="zh-TW" baseline="0" dirty="0" smtClean="0"/>
+              <a:t>so popular? How can </a:t>
+            </a:r>
+            <a:endParaRPr kumimoji="1" lang="zh-TW" altLang="en-US" dirty="0"/>
+          </a:p>
+        </p:txBody>
+      </p:sp>
+      <p:sp>
+        <p:nvSpPr>
+          <p:cNvPr id="4" name="投影片編號版面配置區 3"/>
+          <p:cNvSpPr>
+            <a:spLocks noGrp="1"/>
+          </p:cNvSpPr>
+          <p:nvPr>
+            <p:ph type="sldNum" sz="quarter" idx="10"/>
+          </p:nvPr>
+        </p:nvSpPr>
+        <p:spPr/>
+        <p:txBody>
+          <a:bodyPr/>
+          <a:lstStyle/>
+          <a:p>
+            <a:fld id="{0B92C07B-284F-ED49-A7CE-F1C273DEE5AA}" type="slidenum">
+              <a:rPr kumimoji="1" lang="zh-TW" altLang="en-US" smtClean="0"/>
+              <a:t>1</a:t>
+            </a:fld>
+            <a:endParaRPr kumimoji="1" lang="zh-TW" altLang="en-US"/>
+          </a:p>
+        </p:txBody>
+      </p:sp>
+    </p:spTree>
+    <p:extLst>
+      <p:ext uri="{BB962C8B-B14F-4D97-AF65-F5344CB8AC3E}">
+        <p14:creationId xmlns:p14="http://schemas.microsoft.com/office/powerpoint/2010/main" val="2419906500"/>
+      </p:ext>
+    </p:extLst>
+  </p:cSld>
+  <p:clrMapOvr>
+    <a:masterClrMapping/>
+  </p:clrMapOvr>
+</p:notes>
+</file>
+
+<file path=ppt/notesSlides/notesSlide2.xml><?xml version="1.0" encoding="utf-8"?>
+<p:notes xmlns:a="http://schemas.openxmlformats.org/drawingml/2006/main" xmlns:r="http://schemas.openxmlformats.org/officeDocument/2006/relationships" xmlns:p="http://schemas.openxmlformats.org/presentationml/2006/main">
+  <p:cSld>
+    <p:spTree>
+      <p:nvGrpSpPr>
+        <p:cNvPr id="1" name=""/>
+        <p:cNvGrpSpPr/>
+        <p:nvPr/>
+      </p:nvGrpSpPr>
+      <p:grpSpPr>
+        <a:xfrm>
+          <a:off x="0" y="0"/>
+          <a:ext cx="0" cy="0"/>
+          <a:chOff x="0" y="0"/>
+          <a:chExt cx="0" cy="0"/>
+        </a:xfrm>
+      </p:grpSpPr>
+      <p:sp>
+        <p:nvSpPr>
+          <p:cNvPr id="2" name="投影片影像版面配置區 1"/>
+          <p:cNvSpPr>
+            <a:spLocks noGrp="1" noRot="1" noChangeAspect="1"/>
+          </p:cNvSpPr>
+          <p:nvPr>
+            <p:ph type="sldImg"/>
+          </p:nvPr>
+        </p:nvSpPr>
+        <p:spPr/>
+      </p:sp>
+      <p:sp>
+        <p:nvSpPr>
+          <p:cNvPr id="3" name="備忘稿版面配置區 2"/>
+          <p:cNvSpPr>
+            <a:spLocks noGrp="1"/>
+          </p:cNvSpPr>
+          <p:nvPr>
+            <p:ph type="body" idx="1"/>
+          </p:nvPr>
+        </p:nvSpPr>
+        <p:spPr/>
+        <p:txBody>
+          <a:bodyPr/>
+          <a:lstStyle/>
+          <a:p>
+            <a:r>
+              <a:rPr kumimoji="1" lang="en-US" altLang="zh-TW" dirty="0" smtClean="0"/>
               <a:t>The score of</a:t>
             </a:r>
             <a:r>
@@ -579,7 +675,7 @@
 </p:notes>
 </file>
 
-<file path=ppt/notesSlides/notesSlide2.xml><?xml version="1.0" encoding="utf-8"?>
+<file path=ppt/notesSlides/notesSlide3.xml><?xml version="1.0" encoding="utf-8"?>
 <p:notes xmlns:a="http://schemas.openxmlformats.org/drawingml/2006/main" xmlns:r="http://schemas.openxmlformats.org/officeDocument/2006/relationships" xmlns:p="http://schemas.openxmlformats.org/presentationml/2006/main">
   <p:cSld>
     <p:spTree>
@@ -4669,7 +4765,7 @@
           <p:nvPr/>
         </p:nvPicPr>
         <p:blipFill>
-          <a:blip r:embed="rId20">
+          <a:blip r:embed="rId21">
             <a:extLst>
               <a:ext uri="{28A0092B-C50C-407E-A947-70E740481C1C}">
                 <a14:useLocalDpi xmlns:a14="http://schemas.microsoft.com/office/drawing/2010/main" val="0"/>
@@ -8393,6 +8489,15 @@
               </a:rPr>
               <a:t>Females seem to be more sensitive towards physical attractiveness than males do</a:t>
             </a:r>
+            <a:r>
+              <a:rPr kumimoji="1" lang="en-US" altLang="zh-CN" dirty="0">
+                <a:solidFill>
+                  <a:srgbClr val="000000"/>
+                </a:solidFill>
+                <a:cs typeface="Calibri"/>
+              </a:rPr>
+              <a:t>.</a:t>
+            </a:r>
             <a:endParaRPr kumimoji="1" lang="zh-TW" altLang="en-US" dirty="0"/>
           </a:p>
         </p:txBody>
@@ -12194,7 +12299,7 @@
         </p:spPr>
         <p:txBody>
           <a:bodyPr>
-            <a:normAutofit/>
+            <a:normAutofit fontScale="92500" lnSpcReduction="20000"/>
           </a:bodyPr>
           <a:lstStyle>
             <a:lvl1pPr marL="171450" indent="-171450" algn="l" defTabSz="685800" rtl="0" eaLnBrk="1" latinLnBrk="0" hangingPunct="1">
@@ -12361,9 +12466,10 @@
             </a:lvl9pPr>
           </a:lstStyle>
           <a:p>
-            <a:pPr marL="0" indent="0">
-              <a:buFont typeface="Arial" panose="020B0604020202020204" pitchFamily="34" charset="0"/>
-              <a:buNone/>
+            <a:pPr>
+              <a:buSzPct val="80000"/>
+              <a:buFont typeface="Arial"/>
+              <a:buChar char="•"/>
             </a:pPr>
             <a:r>
               <a:rPr kumimoji="1" lang="en-US" altLang="zh-TW" sz="2000" dirty="0" smtClean="0">
@@ -12393,7 +12499,38 @@
                 <a:latin typeface="Calibri"/>
                 <a:cs typeface="Calibri"/>
               </a:rPr>
-              <a:t>. The subjects were drawn from students in graduate and professional schools at </a:t>
+              <a:t>.</a:t>
+            </a:r>
+          </a:p>
+          <a:p>
+            <a:pPr>
+              <a:buSzPct val="80000"/>
+              <a:buFont typeface="Arial"/>
+              <a:buChar char="•"/>
+            </a:pPr>
+            <a:endParaRPr kumimoji="1" lang="en-US" altLang="zh-TW" sz="2000" dirty="0" smtClean="0">
+              <a:solidFill>
+                <a:srgbClr val="000000"/>
+              </a:solidFill>
+              <a:latin typeface="Calibri"/>
+              <a:cs typeface="Calibri"/>
+            </a:endParaRPr>
+          </a:p>
+          <a:p>
+            <a:pPr>
+              <a:buSzPct val="70000"/>
+              <a:buFont typeface="Arial"/>
+              <a:buChar char="•"/>
+            </a:pPr>
+            <a:r>
+              <a:rPr kumimoji="1" lang="en-US" altLang="zh-TW" sz="2000" dirty="0" smtClean="0">
+                <a:solidFill>
+                  <a:srgbClr val="000000"/>
+                </a:solidFill>
+                <a:latin typeface="Calibri"/>
+                <a:cs typeface="Calibri"/>
+              </a:rPr>
+              <a:t>The subjects were drawn from students in graduate and professional schools at </a:t>
             </a:r>
             <a:r>
               <a:rPr kumimoji="1" lang="en-US" altLang="zh-TW" sz="2000" i="1" dirty="0" smtClean="0">
@@ -12413,8 +12550,76 @@
                 <a:latin typeface="Calibri"/>
                 <a:cs typeface="Calibri"/>
               </a:rPr>
-              <a:t>. At the end of their speed dating events, participants were asked if they would like to see their date again. </a:t>
-            </a:r>
+              <a:t>. </a:t>
+            </a:r>
+          </a:p>
+          <a:p>
+            <a:pPr>
+              <a:buSzPct val="70000"/>
+              <a:buFont typeface="Arial"/>
+              <a:buChar char="•"/>
+            </a:pPr>
+            <a:endParaRPr kumimoji="1" lang="en-US" altLang="zh-TW" sz="2000" dirty="0" smtClean="0">
+              <a:solidFill>
+                <a:srgbClr val="000000"/>
+              </a:solidFill>
+              <a:latin typeface="Calibri"/>
+              <a:cs typeface="Calibri"/>
+            </a:endParaRPr>
+          </a:p>
+          <a:p>
+            <a:pPr>
+              <a:buSzPct val="70000"/>
+              <a:buFont typeface="Arial"/>
+              <a:buChar char="•"/>
+            </a:pPr>
+            <a:r>
+              <a:rPr kumimoji="1" lang="en-US" altLang="zh-TW" sz="2000" dirty="0" smtClean="0">
+                <a:solidFill>
+                  <a:srgbClr val="000000"/>
+                </a:solidFill>
+                <a:latin typeface="Calibri"/>
+                <a:cs typeface="Calibri"/>
+              </a:rPr>
+              <a:t>At the end of their speed dating events, participants were asked if they would like to see their date again. </a:t>
+            </a:r>
+          </a:p>
+          <a:p>
+            <a:pPr>
+              <a:buSzPct val="70000"/>
+              <a:buFont typeface="Arial"/>
+              <a:buChar char="•"/>
+            </a:pPr>
+            <a:endParaRPr kumimoji="1" lang="en-US" altLang="zh-TW" sz="2000" dirty="0" smtClean="0">
+              <a:solidFill>
+                <a:srgbClr val="000000"/>
+              </a:solidFill>
+              <a:latin typeface="Calibri"/>
+              <a:cs typeface="Calibri"/>
+            </a:endParaRPr>
+          </a:p>
+          <a:p>
+            <a:pPr>
+              <a:buSzPct val="70000"/>
+              <a:buFont typeface="Arial"/>
+              <a:buChar char="•"/>
+            </a:pPr>
+            <a:r>
+              <a:rPr kumimoji="1" lang="en-US" altLang="zh-TW" sz="2000" dirty="0">
+                <a:solidFill>
+                  <a:srgbClr val="000000"/>
+                </a:solidFill>
+                <a:cs typeface="Calibri"/>
+              </a:rPr>
+              <a:t>The dataset includes questionnaire data gathered from participants at different points in the process. </a:t>
+            </a:r>
+            <a:endParaRPr kumimoji="1" lang="en-US" altLang="zh-TW" sz="2000" dirty="0" smtClean="0">
+              <a:solidFill>
+                <a:srgbClr val="000000"/>
+              </a:solidFill>
+              <a:latin typeface="Calibri"/>
+              <a:cs typeface="Calibri"/>
+            </a:endParaRPr>
           </a:p>
           <a:p>
             <a:pPr marL="0" indent="0">
@@ -12447,12 +12652,22 @@
             <a:r>
               <a:rPr kumimoji="1" lang="en-US" altLang="zh-TW" sz="2000" i="1" u="sng" dirty="0" smtClean="0">
                 <a:solidFill>
-                  <a:srgbClr val="000000"/>
+                  <a:srgbClr val="FF0000"/>
                 </a:solidFill>
                 <a:latin typeface="Calibri"/>
                 <a:cs typeface="Calibri"/>
               </a:rPr>
               <a:t>six</a:t>
+            </a:r>
+            <a:r>
+              <a:rPr kumimoji="1" lang="en-US" altLang="zh-TW" sz="2000" dirty="0" smtClean="0">
+                <a:solidFill>
+                  <a:srgbClr val="FF0000"/>
+                </a:solidFill>
+                <a:latin typeface="Calibri"/>
+                <a:cs typeface="Calibri"/>
+              </a:rPr>
+              <a:t> </a:t>
             </a:r>
             <a:r>
               <a:rPr kumimoji="1" lang="en-US" altLang="zh-TW" sz="2000" dirty="0" smtClean="0">
@@ -12462,7 +12677,7 @@
                 <a:latin typeface="Calibri"/>
                 <a:cs typeface="Calibri"/>
               </a:rPr>
-              <a:t> attributes:</a:t>
+              <a:t>attributes:</a:t>
             </a:r>
           </a:p>
           <a:p>
@@ -12572,21 +12787,6 @@
               <a:latin typeface="Calibri"/>
               <a:cs typeface="Calibri"/>
             </a:endParaRPr>
-          </a:p>
-          <a:p>
-            <a:pPr marL="0" indent="0">
-              <a:buNone/>
-            </a:pPr>
-            <a:r>
-              <a:rPr kumimoji="1" lang="en-US" altLang="zh-TW" sz="2000" dirty="0" smtClean="0">
-                <a:solidFill>
-                  <a:srgbClr val="000000"/>
-                </a:solidFill>
-                <a:latin typeface="Calibri"/>
-                <a:cs typeface="Calibri"/>
-              </a:rPr>
-              <a:t>The dataset includes questionnaire data gathered from participants at different points in the process. These fields include: demographics, dating habits, self-perception across key attributes, beliefs on what other find valuable in a mate, and lifestyle information.</a:t>
-            </a:r>
           </a:p>
         </p:txBody>
       </p:sp>

--- a/Project1-ExploreVis/Boyang_Dai/speed_dating.pptx
+++ b/Project1-ExploreVis/Boyang_Dai/speed_dating.pptx
@@ -8409,99 +8409,6 @@
           </a:prstGeom>
         </p:spPr>
       </p:pic>
-      <p:sp>
-        <p:nvSpPr>
-          <p:cNvPr id="27" name="文字方塊 26"/>
-          <p:cNvSpPr txBox="1"/>
-          <p:nvPr/>
-        </p:nvSpPr>
-        <p:spPr>
-          <a:xfrm>
-            <a:off x="223217" y="5439991"/>
-            <a:ext cx="4137191" cy="1200329"/>
-          </a:xfrm>
-          <a:prstGeom prst="rect">
-            <a:avLst/>
-          </a:prstGeom>
-          <a:solidFill>
-            <a:srgbClr val="F7DAE3"/>
-          </a:solidFill>
-          <a:ln>
-            <a:solidFill>
-              <a:schemeClr val="accent1">
-                <a:alpha val="75000"/>
-              </a:schemeClr>
-            </a:solidFill>
-            <a:prstDash val="sysDot"/>
-          </a:ln>
-        </p:spPr>
-        <p:style>
-          <a:lnRef idx="2">
-            <a:schemeClr val="accent1"/>
-          </a:lnRef>
-          <a:fillRef idx="1">
-            <a:schemeClr val="lt1"/>
-          </a:fillRef>
-          <a:effectRef idx="0">
-            <a:schemeClr val="accent1"/>
-          </a:effectRef>
-          <a:fontRef idx="minor">
-            <a:schemeClr val="dk1"/>
-          </a:fontRef>
-        </p:style>
-        <p:txBody>
-          <a:bodyPr wrap="square" rtlCol="0">
-            <a:spAutoFit/>
-          </a:bodyPr>
-          <a:lstStyle/>
-          <a:p>
-            <a:pPr marL="457200" indent="-457200">
-              <a:buSzPct val="70000"/>
-              <a:buFont typeface="Wingdings" charset="2"/>
-              <a:buChar char="n"/>
-            </a:pPr>
-            <a:r>
-              <a:rPr kumimoji="1" lang="en-US" altLang="zh-TW" b="1" dirty="0" smtClean="0">
-                <a:solidFill>
-                  <a:srgbClr val="FF0000"/>
-                </a:solidFill>
-                <a:cs typeface="Calibri"/>
-              </a:rPr>
-              <a:t>BUT</a:t>
-            </a:r>
-            <a:endParaRPr kumimoji="1" lang="en-US" altLang="zh-TW" b="1" dirty="0">
-              <a:solidFill>
-                <a:srgbClr val="FF0000"/>
-              </a:solidFill>
-              <a:cs typeface="Calibri"/>
-            </a:endParaRPr>
-          </a:p>
-          <a:p>
-            <a:pPr>
-              <a:buSzPct val="70000"/>
-            </a:pPr>
-            <a:r>
-              <a:rPr kumimoji="1" lang="en-US" altLang="zh-CN" dirty="0" smtClean="0">
-                <a:solidFill>
-                  <a:srgbClr val="000000"/>
-                </a:solidFill>
-                <a:cs typeface="Calibri"/>
-              </a:rPr>
-              <a:t>Females seem to be more sensitive towards physical attractiveness than males do</a:t>
-            </a:r>
-            <a:r>
-              <a:rPr kumimoji="1" lang="en-US" altLang="zh-CN" dirty="0">
-                <a:solidFill>
-                  <a:srgbClr val="000000"/>
-                </a:solidFill>
-                <a:cs typeface="Calibri"/>
-              </a:rPr>
-              <a:t>.</a:t>
-            </a:r>
-            <a:endParaRPr kumimoji="1" lang="zh-TW" altLang="en-US" dirty="0"/>
-          </a:p>
-        </p:txBody>
-      </p:sp>
     </p:spTree>
     <p:custDataLst>
       <p:tags r:id="rId1"/>
@@ -9312,8 +9219,8 @@
         </p:nvSpPr>
         <p:spPr>
           <a:xfrm>
-            <a:off x="422119" y="1023188"/>
-            <a:ext cx="8256633" cy="2246769"/>
+            <a:off x="422119" y="1263519"/>
+            <a:ext cx="8256633" cy="1200329"/>
           </a:xfrm>
           <a:prstGeom prst="rect">
             <a:avLst/>
@@ -9357,64 +9264,6 @@
             <a:endParaRPr kumimoji="1" lang="en-US" altLang="zh-TW" dirty="0">
               <a:sym typeface="Wingdings"/>
             </a:endParaRPr>
-          </a:p>
-          <a:p>
-            <a:pPr marL="285750" indent="-285750">
-              <a:buSzPct val="70000"/>
-              <a:buFont typeface="Wingdings" charset="2"/>
-              <a:buChar char="l"/>
-            </a:pPr>
-            <a:r>
-              <a:rPr lang="en-US" altLang="zh-TW" dirty="0"/>
-              <a:t>Even though males </a:t>
-            </a:r>
-            <a:r>
-              <a:rPr lang="en-US" altLang="zh-TW" dirty="0" smtClean="0"/>
-              <a:t>valued </a:t>
-            </a:r>
-            <a:r>
-              <a:rPr lang="en-US" altLang="zh-TW" dirty="0"/>
-              <a:t>physical </a:t>
-            </a:r>
-            <a:r>
-              <a:rPr lang="en-US" altLang="zh-TW" dirty="0" smtClean="0"/>
-              <a:t>attractiveness more than that of females , </a:t>
-            </a:r>
-            <a:r>
-              <a:rPr lang="en-US" altLang="zh-TW" dirty="0"/>
-              <a:t>females seem to have </a:t>
-            </a:r>
-            <a:r>
-              <a:rPr lang="en-US" altLang="zh-TW" dirty="0" smtClean="0"/>
-              <a:t>higher </a:t>
-            </a:r>
-            <a:r>
-              <a:rPr lang="en-US" altLang="zh-TW" dirty="0"/>
-              <a:t>sensitivity on </a:t>
-            </a:r>
-            <a:r>
-              <a:rPr lang="en-US" altLang="zh-TW" dirty="0" smtClean="0"/>
-              <a:t>physical attractiveness than </a:t>
-            </a:r>
-            <a:r>
-              <a:rPr lang="en-US" altLang="zh-TW" dirty="0"/>
-              <a:t>do males</a:t>
-            </a:r>
-            <a:r>
-              <a:rPr lang="en-US" altLang="zh-TW" dirty="0" smtClean="0"/>
-              <a:t>. </a:t>
-            </a:r>
-          </a:p>
-          <a:p>
-            <a:pPr lvl="1">
-              <a:buSzPct val="70000"/>
-            </a:pPr>
-            <a:r>
-              <a:rPr kumimoji="1" lang="en-US" altLang="zh-TW" sz="1600" i="1" dirty="0" smtClean="0">
-                <a:sym typeface="Wingdings"/>
-              </a:rPr>
-              <a:t>           i.e.:  The attitude of females towards males might change greatly based on males’ physical attractiveness.</a:t>
-            </a:r>
           </a:p>
         </p:txBody>
       </p:sp>
@@ -19270,8 +19119,8 @@
         </p:nvSpPr>
         <p:spPr>
           <a:xfrm>
-            <a:off x="484527" y="2405862"/>
-            <a:ext cx="7787691" cy="2419937"/>
+            <a:off x="282237" y="2405862"/>
+            <a:ext cx="8661112" cy="4280137"/>
           </a:xfrm>
           <a:prstGeom prst="rect">
             <a:avLst/>
@@ -19502,8 +19351,35 @@
                 </a:solidFill>
                 <a:cs typeface="Calibri"/>
               </a:rPr>
-              <a:t>process.</a:t>
+              <a:t>process</a:t>
             </a:r>
+            <a:r>
+              <a:rPr kumimoji="1" lang="zh-CN" altLang="en-US" i="1" dirty="0" smtClean="0">
+                <a:solidFill>
+                  <a:srgbClr val="000000"/>
+                </a:solidFill>
+                <a:cs typeface="Calibri"/>
+              </a:rPr>
+              <a:t>：</a:t>
+            </a:r>
+            <a:endParaRPr kumimoji="1" lang="en-US" altLang="zh-TW" i="1" dirty="0" smtClean="0">
+              <a:solidFill>
+                <a:srgbClr val="000000"/>
+              </a:solidFill>
+              <a:cs typeface="Calibri"/>
+            </a:endParaRPr>
+          </a:p>
+          <a:p>
+            <a:pPr marL="400050" lvl="1" indent="0">
+              <a:buSzPct val="70000"/>
+              <a:buNone/>
+            </a:pPr>
+            <a:endParaRPr kumimoji="1" lang="en-US" altLang="zh-TW" i="1" dirty="0" smtClean="0">
+              <a:solidFill>
+                <a:srgbClr val="000000"/>
+              </a:solidFill>
+              <a:cs typeface="Calibri"/>
+            </a:endParaRPr>
           </a:p>
           <a:p>
             <a:pPr marL="400050" lvl="1" indent="0">
@@ -19520,13 +19396,22 @@
               <a:t>	</a:t>
             </a:r>
             <a:r>
+              <a:rPr kumimoji="1" lang="en-US" altLang="zh-TW" i="1" u="sng" dirty="0" smtClean="0">
+                <a:solidFill>
+                  <a:srgbClr val="000000"/>
+                </a:solidFill>
+                <a:cs typeface="Calibri"/>
+              </a:rPr>
+              <a:t>Survey 1</a:t>
+            </a:r>
+            <a:r>
               <a:rPr kumimoji="1" lang="en-US" altLang="zh-TW" i="1" dirty="0" smtClean="0">
                 <a:solidFill>
                   <a:srgbClr val="000000"/>
                 </a:solidFill>
                 <a:cs typeface="Calibri"/>
               </a:rPr>
-              <a:t>Survey 1.: Filled out before the speed dating event.</a:t>
+              <a:t>.: Filled out before the speed dating event.</a:t>
             </a:r>
           </a:p>
           <a:p>
@@ -19559,13 +19444,22 @@
               <a:t>	</a:t>
             </a:r>
             <a:r>
+              <a:rPr kumimoji="1" lang="en-US" altLang="zh-TW" i="1" u="sng" dirty="0" smtClean="0">
+                <a:solidFill>
+                  <a:srgbClr val="000000"/>
+                </a:solidFill>
+                <a:cs typeface="Calibri"/>
+              </a:rPr>
+              <a:t>Survey 2</a:t>
+            </a:r>
+            <a:r>
               <a:rPr kumimoji="1" lang="en-US" altLang="zh-TW" i="1" dirty="0" smtClean="0">
                 <a:solidFill>
                   <a:srgbClr val="000000"/>
                 </a:solidFill>
                 <a:cs typeface="Calibri"/>
               </a:rPr>
-              <a:t>Survey 2.: Filled out the day after participating in the event</a:t>
+              <a:t>.: Filled out the day after participating in the event</a:t>
             </a:r>
           </a:p>
           <a:p>
@@ -19580,7 +19474,25 @@
                 </a:solidFill>
                 <a:cs typeface="Calibri"/>
               </a:rPr>
-              <a:t>	Survey 3.: Filled out 3-4 weeks after they had been sent their matches.</a:t>
+              <a:t>	</a:t>
+            </a:r>
+            <a:r>
+              <a:rPr kumimoji="1" lang="en-US" altLang="zh-TW" i="1" u="sng" dirty="0" smtClean="0">
+                <a:solidFill>
+                  <a:srgbClr val="000000"/>
+                </a:solidFill>
+                <a:cs typeface="Calibri"/>
+              </a:rPr>
+              <a:t>Survey 3</a:t>
+            </a:r>
+            <a:r>
+              <a:rPr kumimoji="1" lang="en-US" altLang="zh-TW" i="1" dirty="0" smtClean="0">
+                <a:solidFill>
+                  <a:srgbClr val="000000"/>
+                </a:solidFill>
+                <a:cs typeface="Calibri"/>
+              </a:rPr>
+              <a:t>.: Filled out 3-4 weeks after they had been sent their matches.</a:t>
             </a:r>
           </a:p>
           <a:p>
@@ -19627,6 +19539,15 @@
               <a:buSzPct val="70000"/>
               <a:buNone/>
             </a:pPr>
+            <a:r>
+              <a:rPr kumimoji="1" lang="zh-CN" altLang="en-US" sz="1600" b="1" i="1" dirty="0" smtClean="0">
+                <a:solidFill>
+                  <a:srgbClr val="000000"/>
+                </a:solidFill>
+                <a:cs typeface="Calibri"/>
+              </a:rPr>
+              <a:t>** </a:t>
+            </a:r>
             <a:r>
               <a:rPr kumimoji="1" lang="en-US" altLang="zh-TW" i="1" dirty="0" smtClean="0">
                 <a:solidFill>

--- a/Project1-ExploreVis/Boyang_Dai/speed_dating.pptx
+++ b/Project1-ExploreVis/Boyang_Dai/speed_dating.pptx
@@ -17978,7 +17978,7 @@
               <a:rPr kumimoji="1" lang="en-US" altLang="zh-TW" dirty="0" smtClean="0">
                 <a:sym typeface="Wingdings"/>
               </a:rPr>
-              <a:t>For Female	 	Partner Being Ambitious </a:t>
+              <a:t>For Female	 	Partner Being Intelligent </a:t>
             </a:r>
             <a:endParaRPr kumimoji="1" lang="zh-TW" altLang="en-US" dirty="0"/>
           </a:p>
